--- a/nlp2025/ppt/3_pytorch基础.pptx
+++ b/nlp2025/ppt/3_pytorch基础.pptx
@@ -4431,10 +4431,10 @@
       </p:sp>
       <p:pic>
         <p:nvPicPr>
-          <p:cNvPr id="7" name="图片 6">
-            <a:extLst>
-              <a:ext uri="{FF2B5EF4-FFF2-40B4-BE49-F238E27FC236}">
-                <a16:creationId xmlns:a16="http://schemas.microsoft.com/office/drawing/2014/main" id="{0E6C2C95-D6E0-DAD1-779B-D70AEFE71C06}"/>
+          <p:cNvPr id="5" name="图片 4">
+            <a:extLst>
+              <a:ext uri="{FF2B5EF4-FFF2-40B4-BE49-F238E27FC236}">
+                <a16:creationId xmlns:a16="http://schemas.microsoft.com/office/drawing/2014/main" id="{A76D8064-2D0F-13F2-2069-E66466D8C20C}"/>
               </a:ext>
             </a:extLst>
           </p:cNvPr>
@@ -4451,8 +4451,8 @@
         </p:blipFill>
         <p:spPr>
           <a:xfrm>
-            <a:off x="652078" y="2519201"/>
-            <a:ext cx="2597283" cy="1009702"/>
+            <a:off x="652078" y="2213286"/>
+            <a:ext cx="2571882" cy="1519018"/>
           </a:xfrm>
           <a:prstGeom prst="rect">
             <a:avLst/>
@@ -4461,10 +4461,10 @@
       </p:pic>
       <p:pic>
         <p:nvPicPr>
-          <p:cNvPr id="9" name="图片 8">
-            <a:extLst>
-              <a:ext uri="{FF2B5EF4-FFF2-40B4-BE49-F238E27FC236}">
-                <a16:creationId xmlns:a16="http://schemas.microsoft.com/office/drawing/2014/main" id="{90AB5F8E-F434-F35C-E3A5-2D9A988E683A}"/>
+          <p:cNvPr id="12" name="图片 11">
+            <a:extLst>
+              <a:ext uri="{FF2B5EF4-FFF2-40B4-BE49-F238E27FC236}">
+                <a16:creationId xmlns:a16="http://schemas.microsoft.com/office/drawing/2014/main" id="{F4DDAF40-3F83-0369-1038-62DAD7BEBBA2}"/>
               </a:ext>
             </a:extLst>
           </p:cNvPr>
@@ -4481,8 +4481,8 @@
         </p:blipFill>
         <p:spPr>
           <a:xfrm>
-            <a:off x="652078" y="3883363"/>
-            <a:ext cx="3168813" cy="946199"/>
+            <a:off x="652078" y="4070639"/>
+            <a:ext cx="3427165" cy="2136601"/>
           </a:xfrm>
           <a:prstGeom prst="rect">
             <a:avLst/>
@@ -4491,10 +4491,10 @@
       </p:pic>
       <p:pic>
         <p:nvPicPr>
-          <p:cNvPr id="11" name="图片 10">
-            <a:extLst>
-              <a:ext uri="{FF2B5EF4-FFF2-40B4-BE49-F238E27FC236}">
-                <a16:creationId xmlns:a16="http://schemas.microsoft.com/office/drawing/2014/main" id="{8ADF6F0A-2C3E-2196-B963-E9483932D12B}"/>
+          <p:cNvPr id="15" name="图片 14">
+            <a:extLst>
+              <a:ext uri="{FF2B5EF4-FFF2-40B4-BE49-F238E27FC236}">
+                <a16:creationId xmlns:a16="http://schemas.microsoft.com/office/drawing/2014/main" id="{72635963-4975-F351-F38A-EC37FAE10CB6}"/>
               </a:ext>
             </a:extLst>
           </p:cNvPr>
@@ -4511,8 +4511,8 @@
         </p:blipFill>
         <p:spPr>
           <a:xfrm>
-            <a:off x="6630150" y="2404895"/>
-            <a:ext cx="2571882" cy="1238314"/>
+            <a:off x="6448556" y="2213286"/>
+            <a:ext cx="2166938" cy="1491147"/>
           </a:xfrm>
           <a:prstGeom prst="rect">
             <a:avLst/>
@@ -4521,10 +4521,10 @@
       </p:pic>
       <p:pic>
         <p:nvPicPr>
-          <p:cNvPr id="13" name="图片 12">
-            <a:extLst>
-              <a:ext uri="{FF2B5EF4-FFF2-40B4-BE49-F238E27FC236}">
-                <a16:creationId xmlns:a16="http://schemas.microsoft.com/office/drawing/2014/main" id="{C38B4F06-D1EC-93D1-5685-980082F39CF1}"/>
+          <p:cNvPr id="17" name="图片 16">
+            <a:extLst>
+              <a:ext uri="{FF2B5EF4-FFF2-40B4-BE49-F238E27FC236}">
+                <a16:creationId xmlns:a16="http://schemas.microsoft.com/office/drawing/2014/main" id="{362829FF-AFA8-F5EC-7E50-C702A7BE1E1C}"/>
               </a:ext>
             </a:extLst>
           </p:cNvPr>
@@ -4541,8 +4541,8 @@
         </p:blipFill>
         <p:spPr>
           <a:xfrm>
-            <a:off x="6630150" y="4013510"/>
-            <a:ext cx="3232316" cy="952549"/>
+            <a:off x="6448556" y="4070639"/>
+            <a:ext cx="3296699" cy="1118011"/>
           </a:xfrm>
           <a:prstGeom prst="rect">
             <a:avLst/>
@@ -4721,10 +4721,10 @@
       </p:sp>
       <p:pic>
         <p:nvPicPr>
-          <p:cNvPr id="5" name="图片 4">
-            <a:extLst>
-              <a:ext uri="{FF2B5EF4-FFF2-40B4-BE49-F238E27FC236}">
-                <a16:creationId xmlns:a16="http://schemas.microsoft.com/office/drawing/2014/main" id="{89A075CD-C425-577A-5035-E0592871D8B6}"/>
+          <p:cNvPr id="6" name="图片 5">
+            <a:extLst>
+              <a:ext uri="{FF2B5EF4-FFF2-40B4-BE49-F238E27FC236}">
+                <a16:creationId xmlns:a16="http://schemas.microsoft.com/office/drawing/2014/main" id="{DE949FB2-A5D2-9FEE-E313-2F0CB111C04C}"/>
               </a:ext>
             </a:extLst>
           </p:cNvPr>
@@ -4741,8 +4741,8 @@
         </p:blipFill>
         <p:spPr>
           <a:xfrm>
-            <a:off x="1004197" y="2529581"/>
-            <a:ext cx="2832246" cy="1003352"/>
+            <a:off x="1004197" y="2132251"/>
+            <a:ext cx="2894808" cy="1295467"/>
           </a:xfrm>
           <a:prstGeom prst="rect">
             <a:avLst/>
@@ -4751,10 +4751,10 @@
       </p:pic>
       <p:pic>
         <p:nvPicPr>
-          <p:cNvPr id="7" name="图片 6">
-            <a:extLst>
-              <a:ext uri="{FF2B5EF4-FFF2-40B4-BE49-F238E27FC236}">
-                <a16:creationId xmlns:a16="http://schemas.microsoft.com/office/drawing/2014/main" id="{822C9364-52A6-3C78-B65E-226DFF2B0B7C}"/>
+          <p:cNvPr id="10" name="图片 9">
+            <a:extLst>
+              <a:ext uri="{FF2B5EF4-FFF2-40B4-BE49-F238E27FC236}">
+                <a16:creationId xmlns:a16="http://schemas.microsoft.com/office/drawing/2014/main" id="{E03EA0A9-2AD5-C59A-963E-80B6159AB747}"/>
               </a:ext>
             </a:extLst>
           </p:cNvPr>
@@ -4771,8 +4771,8 @@
         </p:blipFill>
         <p:spPr>
           <a:xfrm>
-            <a:off x="6096000" y="2529581"/>
-            <a:ext cx="2514729" cy="1295467"/>
+            <a:off x="868261" y="3997673"/>
+            <a:ext cx="4036066" cy="1331738"/>
           </a:xfrm>
           <a:prstGeom prst="rect">
             <a:avLst/>
@@ -4781,10 +4781,10 @@
       </p:pic>
       <p:pic>
         <p:nvPicPr>
-          <p:cNvPr id="9" name="图片 8">
-            <a:extLst>
-              <a:ext uri="{FF2B5EF4-FFF2-40B4-BE49-F238E27FC236}">
-                <a16:creationId xmlns:a16="http://schemas.microsoft.com/office/drawing/2014/main" id="{91D5A4AB-1AAA-5B24-BAAE-53D728A8F0B1}"/>
+          <p:cNvPr id="13" name="图片 12">
+            <a:extLst>
+              <a:ext uri="{FF2B5EF4-FFF2-40B4-BE49-F238E27FC236}">
+                <a16:creationId xmlns:a16="http://schemas.microsoft.com/office/drawing/2014/main" id="{B5CA3699-2CA7-43B0-04D2-94D0D892B80E}"/>
               </a:ext>
             </a:extLst>
           </p:cNvPr>
@@ -4801,8 +4801,8 @@
         </p:blipFill>
         <p:spPr>
           <a:xfrm>
-            <a:off x="6096000" y="4085564"/>
-            <a:ext cx="3245017" cy="1003352"/>
+            <a:off x="6096000" y="2300327"/>
+            <a:ext cx="2446070" cy="1516411"/>
           </a:xfrm>
           <a:prstGeom prst="rect">
             <a:avLst/>
@@ -4811,10 +4811,10 @@
       </p:pic>
       <p:pic>
         <p:nvPicPr>
-          <p:cNvPr id="11" name="图片 10">
-            <a:extLst>
-              <a:ext uri="{FF2B5EF4-FFF2-40B4-BE49-F238E27FC236}">
-                <a16:creationId xmlns:a16="http://schemas.microsoft.com/office/drawing/2014/main" id="{53AE8A3E-BDB0-1E4F-752A-F7114BCEC3B8}"/>
+          <p:cNvPr id="15" name="图片 14">
+            <a:extLst>
+              <a:ext uri="{FF2B5EF4-FFF2-40B4-BE49-F238E27FC236}">
+                <a16:creationId xmlns:a16="http://schemas.microsoft.com/office/drawing/2014/main" id="{8A79A98E-31B3-8E78-5401-9E5BE92DA99D}"/>
               </a:ext>
             </a:extLst>
           </p:cNvPr>
@@ -4831,8 +4831,8 @@
         </p:blipFill>
         <p:spPr>
           <a:xfrm>
-            <a:off x="1004197" y="3960106"/>
-            <a:ext cx="3391074" cy="984301"/>
+            <a:off x="5981351" y="3997673"/>
+            <a:ext cx="3255146" cy="1144099"/>
           </a:xfrm>
           <a:prstGeom prst="rect">
             <a:avLst/>
